--- a/卒業論文本体/Document/studytime_all.pptx
+++ b/卒業論文本体/Document/studytime_all.pptx
@@ -147,8 +147,12 @@
               </a:defRPr>
             </a:pPr>
             <a:r>
-              <a:rPr lang="ja-JP" altLang="en-US" sz="2800"/>
-              <a:t>各方式学習時間比較</a:t>
+              <a:rPr lang="ja-JP" altLang="en-US" sz="2800" dirty="0" smtClean="0"/>
+              <a:t>学習</a:t>
+            </a:r>
+            <a:r>
+              <a:rPr lang="ja-JP" altLang="en-US" sz="2800" dirty="0"/>
+              <a:t>時間比較</a:t>
             </a:r>
           </a:p>
         </c:rich>
@@ -205,15 +209,39 @@
             </c:strRef>
           </c:tx>
           <c:spPr>
-            <a:solidFill>
-              <a:schemeClr val="accent2"/>
-            </a:solidFill>
+            <a:pattFill prst="dkHorz">
+              <a:fgClr>
+                <a:srgbClr val="ED7D31"/>
+              </a:fgClr>
+              <a:bgClr>
+                <a:sysClr val="window" lastClr="FFFFFF"/>
+              </a:bgClr>
+            </a:pattFill>
             <a:ln>
               <a:noFill/>
             </a:ln>
             <a:effectLst/>
           </c:spPr>
           <c:invertIfNegative val="0"/>
+          <c:dPt>
+            <c:idx val="0"/>
+            <c:invertIfNegative val="0"/>
+            <c:bubble3D val="0"/>
+            <c:spPr>
+              <a:pattFill prst="dkHorz">
+                <a:fgClr>
+                  <a:srgbClr val="ED7D31"/>
+                </a:fgClr>
+                <a:bgClr>
+                  <a:sysClr val="window" lastClr="FFFFFF"/>
+                </a:bgClr>
+              </a:pattFill>
+              <a:ln>
+                <a:noFill/>
+              </a:ln>
+              <a:effectLst/>
+            </c:spPr>
+          </c:dPt>
           <c:dLbls>
             <c:spPr>
               <a:noFill/>
@@ -463,11 +491,11 @@
         </c:dLbls>
         <c:gapWidth val="219"/>
         <c:overlap val="-27"/>
-        <c:axId val="-1633210928"/>
-        <c:axId val="-1633204944"/>
+        <c:axId val="-1696122816"/>
+        <c:axId val="-1696113024"/>
       </c:barChart>
       <c:catAx>
-        <c:axId val="-1633210928"/>
+        <c:axId val="-1696122816"/>
         <c:scaling>
           <c:orientation val="minMax"/>
         </c:scaling>
@@ -566,7 +594,7 @@
             <a:endParaRPr lang="ja-JP"/>
           </a:p>
         </c:txPr>
-        <c:crossAx val="-1633204944"/>
+        <c:crossAx val="-1696113024"/>
         <c:crosses val="autoZero"/>
         <c:auto val="1"/>
         <c:lblAlgn val="ctr"/>
@@ -574,7 +602,7 @@
         <c:noMultiLvlLbl val="0"/>
       </c:catAx>
       <c:valAx>
-        <c:axId val="-1633204944"/>
+        <c:axId val="-1696113024"/>
         <c:scaling>
           <c:orientation val="minMax"/>
         </c:scaling>
@@ -694,7 +722,7 @@
             <a:endParaRPr lang="ja-JP"/>
           </a:p>
         </c:txPr>
-        <c:crossAx val="-1633210928"/>
+        <c:crossAx val="-1696122816"/>
         <c:crosses val="autoZero"/>
         <c:crossBetween val="between"/>
       </c:valAx>
@@ -1439,7 +1467,7 @@
           <a:p>
             <a:fld id="{1A12B2A7-67F0-411C-8475-8C67DA1C25BE}" type="datetimeFigureOut">
               <a:rPr kumimoji="1" lang="ja-JP" altLang="en-US" smtClean="0"/>
-              <a:t>2016/2/9</a:t>
+              <a:t>2016/2/18</a:t>
             </a:fld>
             <a:endParaRPr kumimoji="1" lang="ja-JP" altLang="en-US"/>
           </a:p>
@@ -1641,7 +1669,7 @@
           <a:p>
             <a:fld id="{1A12B2A7-67F0-411C-8475-8C67DA1C25BE}" type="datetimeFigureOut">
               <a:rPr kumimoji="1" lang="ja-JP" altLang="en-US" smtClean="0"/>
-              <a:t>2016/2/9</a:t>
+              <a:t>2016/2/18</a:t>
             </a:fld>
             <a:endParaRPr kumimoji="1" lang="ja-JP" altLang="en-US"/>
           </a:p>
@@ -1853,7 +1881,7 @@
           <a:p>
             <a:fld id="{1A12B2A7-67F0-411C-8475-8C67DA1C25BE}" type="datetimeFigureOut">
               <a:rPr kumimoji="1" lang="ja-JP" altLang="en-US" smtClean="0"/>
-              <a:t>2016/2/9</a:t>
+              <a:t>2016/2/18</a:t>
             </a:fld>
             <a:endParaRPr kumimoji="1" lang="ja-JP" altLang="en-US"/>
           </a:p>
@@ -2055,7 +2083,7 @@
           <a:p>
             <a:fld id="{1A12B2A7-67F0-411C-8475-8C67DA1C25BE}" type="datetimeFigureOut">
               <a:rPr kumimoji="1" lang="ja-JP" altLang="en-US" smtClean="0"/>
-              <a:t>2016/2/9</a:t>
+              <a:t>2016/2/18</a:t>
             </a:fld>
             <a:endParaRPr kumimoji="1" lang="ja-JP" altLang="en-US"/>
           </a:p>
@@ -2301,7 +2329,7 @@
           <a:p>
             <a:fld id="{1A12B2A7-67F0-411C-8475-8C67DA1C25BE}" type="datetimeFigureOut">
               <a:rPr kumimoji="1" lang="ja-JP" altLang="en-US" smtClean="0"/>
-              <a:t>2016/2/9</a:t>
+              <a:t>2016/2/18</a:t>
             </a:fld>
             <a:endParaRPr kumimoji="1" lang="ja-JP" altLang="en-US"/>
           </a:p>
@@ -2597,7 +2625,7 @@
           <a:p>
             <a:fld id="{1A12B2A7-67F0-411C-8475-8C67DA1C25BE}" type="datetimeFigureOut">
               <a:rPr kumimoji="1" lang="ja-JP" altLang="en-US" smtClean="0"/>
-              <a:t>2016/2/9</a:t>
+              <a:t>2016/2/18</a:t>
             </a:fld>
             <a:endParaRPr kumimoji="1" lang="ja-JP" altLang="en-US"/>
           </a:p>
@@ -3028,7 +3056,7 @@
           <a:p>
             <a:fld id="{1A12B2A7-67F0-411C-8475-8C67DA1C25BE}" type="datetimeFigureOut">
               <a:rPr kumimoji="1" lang="ja-JP" altLang="en-US" smtClean="0"/>
-              <a:t>2016/2/9</a:t>
+              <a:t>2016/2/18</a:t>
             </a:fld>
             <a:endParaRPr kumimoji="1" lang="ja-JP" altLang="en-US"/>
           </a:p>
@@ -3146,7 +3174,7 @@
           <a:p>
             <a:fld id="{1A12B2A7-67F0-411C-8475-8C67DA1C25BE}" type="datetimeFigureOut">
               <a:rPr kumimoji="1" lang="ja-JP" altLang="en-US" smtClean="0"/>
-              <a:t>2016/2/9</a:t>
+              <a:t>2016/2/18</a:t>
             </a:fld>
             <a:endParaRPr kumimoji="1" lang="ja-JP" altLang="en-US"/>
           </a:p>
@@ -3241,7 +3269,7 @@
           <a:p>
             <a:fld id="{1A12B2A7-67F0-411C-8475-8C67DA1C25BE}" type="datetimeFigureOut">
               <a:rPr kumimoji="1" lang="ja-JP" altLang="en-US" smtClean="0"/>
-              <a:t>2016/2/9</a:t>
+              <a:t>2016/2/18</a:t>
             </a:fld>
             <a:endParaRPr kumimoji="1" lang="ja-JP" altLang="en-US"/>
           </a:p>
@@ -3550,7 +3578,7 @@
           <a:p>
             <a:fld id="{1A12B2A7-67F0-411C-8475-8C67DA1C25BE}" type="datetimeFigureOut">
               <a:rPr kumimoji="1" lang="ja-JP" altLang="en-US" smtClean="0"/>
-              <a:t>2016/2/9</a:t>
+              <a:t>2016/2/18</a:t>
             </a:fld>
             <a:endParaRPr kumimoji="1" lang="ja-JP" altLang="en-US"/>
           </a:p>
@@ -3803,7 +3831,7 @@
           <a:p>
             <a:fld id="{1A12B2A7-67F0-411C-8475-8C67DA1C25BE}" type="datetimeFigureOut">
               <a:rPr kumimoji="1" lang="ja-JP" altLang="en-US" smtClean="0"/>
-              <a:t>2016/2/9</a:t>
+              <a:t>2016/2/18</a:t>
             </a:fld>
             <a:endParaRPr kumimoji="1" lang="ja-JP" altLang="en-US"/>
           </a:p>
@@ -4048,7 +4076,7 @@
           <a:p>
             <a:fld id="{1A12B2A7-67F0-411C-8475-8C67DA1C25BE}" type="datetimeFigureOut">
               <a:rPr kumimoji="1" lang="ja-JP" altLang="en-US" smtClean="0"/>
-              <a:t>2016/2/9</a:t>
+              <a:t>2016/2/18</a:t>
             </a:fld>
             <a:endParaRPr kumimoji="1" lang="ja-JP" altLang="en-US"/>
           </a:p>
@@ -4462,7 +4490,7 @@
           <p:nvPr>
             <p:extLst>
               <p:ext uri="{D42A27DB-BD31-4B8C-83A1-F6EECF244321}">
-                <p14:modId xmlns:p14="http://schemas.microsoft.com/office/powerpoint/2010/main" val="4103908011"/>
+                <p14:modId xmlns:p14="http://schemas.microsoft.com/office/powerpoint/2010/main" val="2929505395"/>
               </p:ext>
             </p:extLst>
           </p:nvPr>
